--- a/docs/Grouped optimization.pptx
+++ b/docs/Grouped optimization.pptx
@@ -10,6 +10,7 @@
     <p:sldId id="258" r:id="rId4"/>
     <p:sldId id="260" r:id="rId5"/>
     <p:sldId id="261" r:id="rId6"/>
+    <p:sldId id="262" r:id="rId7"/>
   </p:sldIdLst>
   <p:sldSz cx="12192000" cy="6858000"/>
   <p:notesSz cx="6858000" cy="9144000"/>
@@ -5005,6 +5006,231 @@
 </p:sld>
 </file>
 
+<file path=ppt/slides/slide6.xml><?xml version="1.0" encoding="utf-8"?>
+<p:sld xmlns:a="http://schemas.openxmlformats.org/drawingml/2006/main" xmlns:r="http://schemas.openxmlformats.org/officeDocument/2006/relationships" xmlns:p="http://schemas.openxmlformats.org/presentationml/2006/main">
+  <p:cSld>
+    <p:spTree>
+      <p:nvGrpSpPr>
+        <p:cNvPr id="1" name=""/>
+        <p:cNvGrpSpPr/>
+        <p:nvPr/>
+      </p:nvGrpSpPr>
+      <p:grpSpPr>
+        <a:xfrm>
+          <a:off x="0" y="0"/>
+          <a:ext cx="0" cy="0"/>
+          <a:chOff x="0" y="0"/>
+          <a:chExt cx="0" cy="0"/>
+        </a:xfrm>
+      </p:grpSpPr>
+      <p:sp>
+        <p:nvSpPr>
+          <p:cNvPr id="3" name="Espace réservé du contenu 2">
+            <a:extLst>
+              <a:ext uri="{FF2B5EF4-FFF2-40B4-BE49-F238E27FC236}">
+                <a16:creationId xmlns:a16="http://schemas.microsoft.com/office/drawing/2014/main" id="{6400C3F5-714A-4031-8035-5E2A77B5BBA0}"/>
+              </a:ext>
+            </a:extLst>
+          </p:cNvPr>
+          <p:cNvSpPr>
+            <a:spLocks noGrp="1"/>
+          </p:cNvSpPr>
+          <p:nvPr>
+            <p:ph idx="1"/>
+          </p:nvPr>
+        </p:nvSpPr>
+        <p:spPr>
+          <a:xfrm>
+            <a:off x="838200" y="1863523"/>
+            <a:ext cx="10515600" cy="4313439"/>
+          </a:xfrm>
+        </p:spPr>
+        <p:txBody>
+          <a:bodyPr/>
+          <a:lstStyle/>
+          <a:p>
+            <a:r>
+              <a:rPr lang="fr-FR" dirty="0"/>
+              <a:t>If a more </a:t>
+            </a:r>
+            <a:r>
+              <a:rPr lang="fr-FR" dirty="0" err="1"/>
+              <a:t>detailled</a:t>
+            </a:r>
+            <a:r>
+              <a:rPr lang="fr-FR" dirty="0"/>
+              <a:t> model </a:t>
+            </a:r>
+            <a:r>
+              <a:rPr lang="fr-FR" dirty="0" err="1"/>
+              <a:t>is</a:t>
+            </a:r>
+            <a:r>
+              <a:rPr lang="fr-FR" dirty="0"/>
+              <a:t> </a:t>
+            </a:r>
+            <a:r>
+              <a:rPr lang="fr-FR" dirty="0" err="1"/>
+              <a:t>required</a:t>
+            </a:r>
+            <a:r>
+              <a:rPr lang="fr-FR" dirty="0"/>
+              <a:t>, the OEMOF.TABULAR package </a:t>
+            </a:r>
+            <a:r>
+              <a:rPr lang="fr-FR" dirty="0" err="1"/>
+              <a:t>offers</a:t>
+            </a:r>
+            <a:r>
+              <a:rPr lang="fr-FR" dirty="0"/>
+              <a:t> </a:t>
+            </a:r>
+            <a:r>
+              <a:rPr lang="fr-FR" dirty="0" err="1"/>
+              <a:t>costs</a:t>
+            </a:r>
+            <a:r>
+              <a:rPr lang="fr-FR" dirty="0"/>
+              <a:t> in relation </a:t>
+            </a:r>
+            <a:r>
+              <a:rPr lang="fr-FR" dirty="0" err="1"/>
+              <a:t>with</a:t>
+            </a:r>
+            <a:r>
+              <a:rPr lang="fr-FR" dirty="0"/>
+              <a:t> the </a:t>
+            </a:r>
+            <a:r>
+              <a:rPr lang="fr-FR" dirty="0" err="1"/>
+              <a:t>link</a:t>
+            </a:r>
+            <a:r>
+              <a:rPr lang="fr-FR" dirty="0"/>
+              <a:t> </a:t>
+            </a:r>
+            <a:r>
+              <a:rPr lang="fr-FR" dirty="0" err="1"/>
+              <a:t>created</a:t>
+            </a:r>
+            <a:r>
+              <a:rPr lang="fr-FR" dirty="0"/>
+              <a:t>: </a:t>
+            </a:r>
+            <a:r>
+              <a:rPr lang="fr-FR" u="sng" dirty="0" err="1"/>
+              <a:t>capacity</a:t>
+            </a:r>
+            <a:r>
+              <a:rPr lang="fr-FR" u="sng" dirty="0"/>
+              <a:t> </a:t>
+            </a:r>
+            <a:r>
+              <a:rPr lang="fr-FR" u="sng" dirty="0" err="1"/>
+              <a:t>costs</a:t>
+            </a:r>
+            <a:r>
+              <a:rPr lang="fr-FR" dirty="0"/>
+              <a:t> and </a:t>
+            </a:r>
+            <a:r>
+              <a:rPr lang="fr-FR" u="sng" dirty="0" err="1"/>
+              <a:t>activity</a:t>
+            </a:r>
+            <a:r>
+              <a:rPr lang="fr-FR" u="sng" dirty="0"/>
+              <a:t> </a:t>
+            </a:r>
+            <a:r>
+              <a:rPr lang="fr-FR" u="sng" dirty="0" err="1"/>
+              <a:t>costs</a:t>
+            </a:r>
+            <a:endParaRPr lang="fr-FR" u="sng" dirty="0"/>
+          </a:p>
+          <a:p>
+            <a:r>
+              <a:rPr lang="en-US" dirty="0" err="1">
+                <a:hlinkClick r:id="rId2"/>
+              </a:rPr>
+              <a:t>oemof.tabular</a:t>
+            </a:r>
+            <a:r>
+              <a:rPr lang="en-US" dirty="0">
+                <a:hlinkClick r:id="rId2"/>
+              </a:rPr>
+              <a:t> package — </a:t>
+            </a:r>
+            <a:r>
+              <a:rPr lang="en-US" dirty="0" err="1">
+                <a:hlinkClick r:id="rId2"/>
+              </a:rPr>
+              <a:t>oemof.tabular</a:t>
+            </a:r>
+            <a:r>
+              <a:rPr lang="en-US" dirty="0">
+                <a:hlinkClick r:id="rId2"/>
+              </a:rPr>
+              <a:t> 0.0.2dev documentation (oemof-tabular.readthedocs.io)</a:t>
+            </a:r>
+            <a:endParaRPr lang="fr-FR" dirty="0"/>
+          </a:p>
+        </p:txBody>
+      </p:sp>
+      <p:sp>
+        <p:nvSpPr>
+          <p:cNvPr id="2" name="Titre 1">
+            <a:extLst>
+              <a:ext uri="{FF2B5EF4-FFF2-40B4-BE49-F238E27FC236}">
+                <a16:creationId xmlns:a16="http://schemas.microsoft.com/office/drawing/2014/main" id="{30E1D3CC-C538-4279-AA2D-CD9FF45166AC}"/>
+              </a:ext>
+            </a:extLst>
+          </p:cNvPr>
+          <p:cNvSpPr>
+            <a:spLocks noGrp="1"/>
+          </p:cNvSpPr>
+          <p:nvPr>
+            <p:ph type="title"/>
+          </p:nvPr>
+        </p:nvSpPr>
+        <p:spPr>
+          <a:xfrm>
+            <a:off x="838199" y="365125"/>
+            <a:ext cx="4601548" cy="1325563"/>
+          </a:xfrm>
+        </p:spPr>
+        <p:txBody>
+          <a:bodyPr/>
+          <a:lstStyle/>
+          <a:p>
+            <a:r>
+              <a:rPr lang="fr-FR" b="1" dirty="0"/>
+              <a:t>More </a:t>
+            </a:r>
+            <a:r>
+              <a:rPr lang="fr-FR" b="1" dirty="0" err="1"/>
+              <a:t>parameters</a:t>
+            </a:r>
+            <a:r>
+              <a:rPr lang="fr-FR" b="1" dirty="0"/>
+              <a:t> ?</a:t>
+            </a:r>
+            <a:endParaRPr lang="en-US" b="1" dirty="0"/>
+          </a:p>
+        </p:txBody>
+      </p:sp>
+    </p:spTree>
+    <p:extLst>
+      <p:ext uri="{BB962C8B-B14F-4D97-AF65-F5344CB8AC3E}">
+        <p14:creationId xmlns:p14="http://schemas.microsoft.com/office/powerpoint/2010/main" val="674773591"/>
+      </p:ext>
+    </p:extLst>
+  </p:cSld>
+  <p:clrMapOvr>
+    <a:masterClrMapping/>
+  </p:clrMapOvr>
+</p:sld>
+</file>
+
 <file path=ppt/theme/theme1.xml><?xml version="1.0" encoding="utf-8"?>
 <a:theme xmlns:a="http://schemas.openxmlformats.org/drawingml/2006/main" name="Thème Office">
   <a:themeElements>

--- a/docs/Grouped optimization.pptx
+++ b/docs/Grouped optimization.pptx
@@ -277,7 +277,7 @@
           <a:p>
             <a:fld id="{5BA4AF27-AF4A-4450-8D80-CD6135BFF78E}" type="datetimeFigureOut">
               <a:rPr lang="en-US" smtClean="0"/>
-              <a:t>6/18/2021</a:t>
+              <a:t>6/21/2021</a:t>
             </a:fld>
             <a:endParaRPr lang="en-US"/>
           </a:p>
@@ -477,7 +477,7 @@
           <a:p>
             <a:fld id="{5BA4AF27-AF4A-4450-8D80-CD6135BFF78E}" type="datetimeFigureOut">
               <a:rPr lang="en-US" smtClean="0"/>
-              <a:t>6/18/2021</a:t>
+              <a:t>6/21/2021</a:t>
             </a:fld>
             <a:endParaRPr lang="en-US"/>
           </a:p>
@@ -687,7 +687,7 @@
           <a:p>
             <a:fld id="{5BA4AF27-AF4A-4450-8D80-CD6135BFF78E}" type="datetimeFigureOut">
               <a:rPr lang="en-US" smtClean="0"/>
-              <a:t>6/18/2021</a:t>
+              <a:t>6/21/2021</a:t>
             </a:fld>
             <a:endParaRPr lang="en-US"/>
           </a:p>
@@ -887,7 +887,7 @@
           <a:p>
             <a:fld id="{5BA4AF27-AF4A-4450-8D80-CD6135BFF78E}" type="datetimeFigureOut">
               <a:rPr lang="en-US" smtClean="0"/>
-              <a:t>6/18/2021</a:t>
+              <a:t>6/21/2021</a:t>
             </a:fld>
             <a:endParaRPr lang="en-US"/>
           </a:p>
@@ -1163,7 +1163,7 @@
           <a:p>
             <a:fld id="{5BA4AF27-AF4A-4450-8D80-CD6135BFF78E}" type="datetimeFigureOut">
               <a:rPr lang="en-US" smtClean="0"/>
-              <a:t>6/18/2021</a:t>
+              <a:t>6/21/2021</a:t>
             </a:fld>
             <a:endParaRPr lang="en-US"/>
           </a:p>
@@ -1431,7 +1431,7 @@
           <a:p>
             <a:fld id="{5BA4AF27-AF4A-4450-8D80-CD6135BFF78E}" type="datetimeFigureOut">
               <a:rPr lang="en-US" smtClean="0"/>
-              <a:t>6/18/2021</a:t>
+              <a:t>6/21/2021</a:t>
             </a:fld>
             <a:endParaRPr lang="en-US"/>
           </a:p>
@@ -1846,7 +1846,7 @@
           <a:p>
             <a:fld id="{5BA4AF27-AF4A-4450-8D80-CD6135BFF78E}" type="datetimeFigureOut">
               <a:rPr lang="en-US" smtClean="0"/>
-              <a:t>6/18/2021</a:t>
+              <a:t>6/21/2021</a:t>
             </a:fld>
             <a:endParaRPr lang="en-US"/>
           </a:p>
@@ -1988,7 +1988,7 @@
           <a:p>
             <a:fld id="{5BA4AF27-AF4A-4450-8D80-CD6135BFF78E}" type="datetimeFigureOut">
               <a:rPr lang="en-US" smtClean="0"/>
-              <a:t>6/18/2021</a:t>
+              <a:t>6/21/2021</a:t>
             </a:fld>
             <a:endParaRPr lang="en-US"/>
           </a:p>
@@ -2101,7 +2101,7 @@
           <a:p>
             <a:fld id="{5BA4AF27-AF4A-4450-8D80-CD6135BFF78E}" type="datetimeFigureOut">
               <a:rPr lang="en-US" smtClean="0"/>
-              <a:t>6/18/2021</a:t>
+              <a:t>6/21/2021</a:t>
             </a:fld>
             <a:endParaRPr lang="en-US"/>
           </a:p>
@@ -2414,7 +2414,7 @@
           <a:p>
             <a:fld id="{5BA4AF27-AF4A-4450-8D80-CD6135BFF78E}" type="datetimeFigureOut">
               <a:rPr lang="en-US" smtClean="0"/>
-              <a:t>6/18/2021</a:t>
+              <a:t>6/21/2021</a:t>
             </a:fld>
             <a:endParaRPr lang="en-US"/>
           </a:p>
@@ -2703,7 +2703,7 @@
           <a:p>
             <a:fld id="{5BA4AF27-AF4A-4450-8D80-CD6135BFF78E}" type="datetimeFigureOut">
               <a:rPr lang="en-US" smtClean="0"/>
-              <a:t>6/18/2021</a:t>
+              <a:t>6/21/2021</a:t>
             </a:fld>
             <a:endParaRPr lang="en-US"/>
           </a:p>
@@ -2946,7 +2946,7 @@
           <a:p>
             <a:fld id="{5BA4AF27-AF4A-4450-8D80-CD6135BFF78E}" type="datetimeFigureOut">
               <a:rPr lang="en-US" smtClean="0"/>
-              <a:t>6/18/2021</a:t>
+              <a:t>6/21/2021</a:t>
             </a:fld>
             <a:endParaRPr lang="en-US"/>
           </a:p>
@@ -5172,7 +5172,53 @@
               </a:rPr>
               <a:t> 0.0.2dev documentation (oemof-tabular.readthedocs.io)</a:t>
             </a:r>
-            <a:endParaRPr lang="fr-FR" dirty="0"/>
+            <a:endParaRPr lang="en-US" dirty="0"/>
+          </a:p>
+          <a:p>
+            <a:r>
+              <a:rPr lang="fr-FR" dirty="0"/>
+              <a:t>Capacity min, max, </a:t>
+            </a:r>
+            <a:r>
+              <a:rPr lang="fr-FR" dirty="0" err="1"/>
+              <a:t>fixed</a:t>
+            </a:r>
+            <a:r>
+              <a:rPr lang="fr-FR" dirty="0"/>
+              <a:t>?</a:t>
+            </a:r>
+          </a:p>
+          <a:p>
+            <a:r>
+              <a:rPr lang="fr-FR" dirty="0"/>
+              <a:t>L</a:t>
+            </a:r>
+            <a:r>
+              <a:rPr lang="en-US" dirty="0" err="1"/>
+              <a:t>osses</a:t>
+            </a:r>
+            <a:r>
+              <a:rPr lang="en-US" dirty="0"/>
+              <a:t> ? Environmental impact?</a:t>
+            </a:r>
+          </a:p>
+          <a:p>
+            <a:r>
+              <a:rPr lang="fr-FR" dirty="0" err="1"/>
+              <a:t>Applied</a:t>
+            </a:r>
+            <a:r>
+              <a:rPr lang="fr-FR" dirty="0"/>
+              <a:t> to </a:t>
+            </a:r>
+            <a:r>
+              <a:rPr lang="fr-FR" dirty="0" err="1"/>
+              <a:t>investment</a:t>
+            </a:r>
+            <a:r>
+              <a:rPr lang="fr-FR" dirty="0"/>
+              <a:t> mode?</a:t>
+            </a:r>
           </a:p>
         </p:txBody>
       </p:sp>

--- a/docs/Grouped optimization.pptx
+++ b/docs/Grouped optimization.pptx
@@ -11,6 +11,7 @@
     <p:sldId id="260" r:id="rId5"/>
     <p:sldId id="261" r:id="rId6"/>
     <p:sldId id="262" r:id="rId7"/>
+    <p:sldId id="263" r:id="rId8"/>
   </p:sldIdLst>
   <p:sldSz cx="12192000" cy="6858000"/>
   <p:notesSz cx="6858000" cy="9144000"/>
@@ -277,7 +278,7 @@
           <a:p>
             <a:fld id="{5BA4AF27-AF4A-4450-8D80-CD6135BFF78E}" type="datetimeFigureOut">
               <a:rPr lang="en-US" smtClean="0"/>
-              <a:t>6/21/2021</a:t>
+              <a:t>6/22/2021</a:t>
             </a:fld>
             <a:endParaRPr lang="en-US"/>
           </a:p>
@@ -477,7 +478,7 @@
           <a:p>
             <a:fld id="{5BA4AF27-AF4A-4450-8D80-CD6135BFF78E}" type="datetimeFigureOut">
               <a:rPr lang="en-US" smtClean="0"/>
-              <a:t>6/21/2021</a:t>
+              <a:t>6/22/2021</a:t>
             </a:fld>
             <a:endParaRPr lang="en-US"/>
           </a:p>
@@ -687,7 +688,7 @@
           <a:p>
             <a:fld id="{5BA4AF27-AF4A-4450-8D80-CD6135BFF78E}" type="datetimeFigureOut">
               <a:rPr lang="en-US" smtClean="0"/>
-              <a:t>6/21/2021</a:t>
+              <a:t>6/22/2021</a:t>
             </a:fld>
             <a:endParaRPr lang="en-US"/>
           </a:p>
@@ -887,7 +888,7 @@
           <a:p>
             <a:fld id="{5BA4AF27-AF4A-4450-8D80-CD6135BFF78E}" type="datetimeFigureOut">
               <a:rPr lang="en-US" smtClean="0"/>
-              <a:t>6/21/2021</a:t>
+              <a:t>6/22/2021</a:t>
             </a:fld>
             <a:endParaRPr lang="en-US"/>
           </a:p>
@@ -1163,7 +1164,7 @@
           <a:p>
             <a:fld id="{5BA4AF27-AF4A-4450-8D80-CD6135BFF78E}" type="datetimeFigureOut">
               <a:rPr lang="en-US" smtClean="0"/>
-              <a:t>6/21/2021</a:t>
+              <a:t>6/22/2021</a:t>
             </a:fld>
             <a:endParaRPr lang="en-US"/>
           </a:p>
@@ -1431,7 +1432,7 @@
           <a:p>
             <a:fld id="{5BA4AF27-AF4A-4450-8D80-CD6135BFF78E}" type="datetimeFigureOut">
               <a:rPr lang="en-US" smtClean="0"/>
-              <a:t>6/21/2021</a:t>
+              <a:t>6/22/2021</a:t>
             </a:fld>
             <a:endParaRPr lang="en-US"/>
           </a:p>
@@ -1846,7 +1847,7 @@
           <a:p>
             <a:fld id="{5BA4AF27-AF4A-4450-8D80-CD6135BFF78E}" type="datetimeFigureOut">
               <a:rPr lang="en-US" smtClean="0"/>
-              <a:t>6/21/2021</a:t>
+              <a:t>6/22/2021</a:t>
             </a:fld>
             <a:endParaRPr lang="en-US"/>
           </a:p>
@@ -1988,7 +1989,7 @@
           <a:p>
             <a:fld id="{5BA4AF27-AF4A-4450-8D80-CD6135BFF78E}" type="datetimeFigureOut">
               <a:rPr lang="en-US" smtClean="0"/>
-              <a:t>6/21/2021</a:t>
+              <a:t>6/22/2021</a:t>
             </a:fld>
             <a:endParaRPr lang="en-US"/>
           </a:p>
@@ -2101,7 +2102,7 @@
           <a:p>
             <a:fld id="{5BA4AF27-AF4A-4450-8D80-CD6135BFF78E}" type="datetimeFigureOut">
               <a:rPr lang="en-US" smtClean="0"/>
-              <a:t>6/21/2021</a:t>
+              <a:t>6/22/2021</a:t>
             </a:fld>
             <a:endParaRPr lang="en-US"/>
           </a:p>
@@ -2414,7 +2415,7 @@
           <a:p>
             <a:fld id="{5BA4AF27-AF4A-4450-8D80-CD6135BFF78E}" type="datetimeFigureOut">
               <a:rPr lang="en-US" smtClean="0"/>
-              <a:t>6/21/2021</a:t>
+              <a:t>6/22/2021</a:t>
             </a:fld>
             <a:endParaRPr lang="en-US"/>
           </a:p>
@@ -2703,7 +2704,7 @@
           <a:p>
             <a:fld id="{5BA4AF27-AF4A-4450-8D80-CD6135BFF78E}" type="datetimeFigureOut">
               <a:rPr lang="en-US" smtClean="0"/>
-              <a:t>6/21/2021</a:t>
+              <a:t>6/22/2021</a:t>
             </a:fld>
             <a:endParaRPr lang="en-US"/>
           </a:p>
@@ -2946,7 +2947,7 @@
           <a:p>
             <a:fld id="{5BA4AF27-AF4A-4450-8D80-CD6135BFF78E}" type="datetimeFigureOut">
               <a:rPr lang="en-US" smtClean="0"/>
-              <a:t>6/21/2021</a:t>
+              <a:t>6/22/2021</a:t>
             </a:fld>
             <a:endParaRPr lang="en-US"/>
           </a:p>
@@ -4026,8 +4027,8 @@
           </a:p>
         </p:txBody>
       </p:sp>
-      <mc:AlternateContent xmlns:mc="http://schemas.openxmlformats.org/markup-compatibility/2006" xmlns:a14="http://schemas.microsoft.com/office/drawing/2010/main">
-        <mc:Choice Requires="a14">
+      <mc:AlternateContent xmlns:mc="http://schemas.openxmlformats.org/markup-compatibility/2006">
+        <mc:Choice xmlns:a14="http://schemas.microsoft.com/office/drawing/2010/main" Requires="a14">
           <p:sp>
             <p:nvSpPr>
               <p:cNvPr id="3" name="Espace réservé du contenu 2">
@@ -4070,7 +4071,7 @@
               <a:p>
                 <a:r>
                   <a:rPr lang="fr-FR" dirty="0"/>
-                  <a:t>Introduction of </a:t>
+                  <a:t>Use of </a:t>
                 </a:r>
                 <a:r>
                   <a:rPr lang="fr-FR" b="1" dirty="0" err="1"/>
@@ -4523,7 +4524,7 @@
             </p:txBody>
           </p:sp>
         </mc:Choice>
-        <mc:Fallback xmlns="">
+        <mc:Fallback>
           <p:sp>
             <p:nvSpPr>
               <p:cNvPr id="3" name="Espace réservé du contenu 2">
@@ -5217,8 +5218,29 @@
             </a:r>
             <a:r>
               <a:rPr lang="fr-FR" dirty="0"/>
-              <a:t> mode?</a:t>
-            </a:r>
+              <a:t> mode? </a:t>
+            </a:r>
+            <a:r>
+              <a:rPr lang="fr-FR" sz="2400" dirty="0"/>
+              <a:t>(not possible </a:t>
+            </a:r>
+            <a:r>
+              <a:rPr lang="fr-FR" sz="2400" dirty="0" err="1"/>
+              <a:t>with</a:t>
+            </a:r>
+            <a:r>
+              <a:rPr lang="fr-FR" sz="2400" dirty="0"/>
+              <a:t> </a:t>
+            </a:r>
+            <a:r>
+              <a:rPr lang="fr-FR" sz="2400" dirty="0" err="1"/>
+              <a:t>oemof.tabular.facades</a:t>
+            </a:r>
+            <a:r>
+              <a:rPr lang="fr-FR" sz="2400" dirty="0"/>
+              <a:t>)</a:t>
+            </a:r>
+            <a:endParaRPr lang="fr-FR" dirty="0"/>
           </a:p>
         </p:txBody>
       </p:sp>
@@ -5268,6 +5290,134 @@
     <p:extLst>
       <p:ext uri="{BB962C8B-B14F-4D97-AF65-F5344CB8AC3E}">
         <p14:creationId xmlns:p14="http://schemas.microsoft.com/office/powerpoint/2010/main" val="674773591"/>
+      </p:ext>
+    </p:extLst>
+  </p:cSld>
+  <p:clrMapOvr>
+    <a:masterClrMapping/>
+  </p:clrMapOvr>
+</p:sld>
+</file>
+
+<file path=ppt/slides/slide7.xml><?xml version="1.0" encoding="utf-8"?>
+<p:sld xmlns:a="http://schemas.openxmlformats.org/drawingml/2006/main" xmlns:r="http://schemas.openxmlformats.org/officeDocument/2006/relationships" xmlns:p="http://schemas.openxmlformats.org/presentationml/2006/main">
+  <p:cSld>
+    <p:spTree>
+      <p:nvGrpSpPr>
+        <p:cNvPr id="1" name=""/>
+        <p:cNvGrpSpPr/>
+        <p:nvPr/>
+      </p:nvGrpSpPr>
+      <p:grpSpPr>
+        <a:xfrm>
+          <a:off x="0" y="0"/>
+          <a:ext cx="0" cy="0"/>
+          <a:chOff x="0" y="0"/>
+          <a:chExt cx="0" cy="0"/>
+        </a:xfrm>
+      </p:grpSpPr>
+      <p:sp>
+        <p:nvSpPr>
+          <p:cNvPr id="2" name="Titre 1">
+            <a:extLst>
+              <a:ext uri="{FF2B5EF4-FFF2-40B4-BE49-F238E27FC236}">
+                <a16:creationId xmlns:a16="http://schemas.microsoft.com/office/drawing/2014/main" id="{30E1D3CC-C538-4279-AA2D-CD9FF45166AC}"/>
+              </a:ext>
+            </a:extLst>
+          </p:cNvPr>
+          <p:cNvSpPr>
+            <a:spLocks noGrp="1"/>
+          </p:cNvSpPr>
+          <p:nvPr>
+            <p:ph type="title"/>
+          </p:nvPr>
+        </p:nvSpPr>
+        <p:spPr>
+          <a:xfrm>
+            <a:off x="838199" y="365125"/>
+            <a:ext cx="6168082" cy="1325563"/>
+          </a:xfrm>
+        </p:spPr>
+        <p:txBody>
+          <a:bodyPr/>
+          <a:lstStyle/>
+          <a:p>
+            <a:r>
+              <a:rPr lang="fr-FR" b="1" dirty="0"/>
+              <a:t>Application to the </a:t>
+            </a:r>
+            <a:r>
+              <a:rPr lang="fr-FR" b="1" dirty="0" err="1"/>
+              <a:t>project</a:t>
+            </a:r>
+            <a:endParaRPr lang="en-US" b="1" dirty="0"/>
+          </a:p>
+        </p:txBody>
+      </p:sp>
+      <p:pic>
+        <p:nvPicPr>
+          <p:cNvPr id="4" name="Image 3">
+            <a:extLst>
+              <a:ext uri="{FF2B5EF4-FFF2-40B4-BE49-F238E27FC236}">
+                <a16:creationId xmlns:a16="http://schemas.microsoft.com/office/drawing/2014/main" id="{C8B1A718-CDDD-4ECC-B5EA-5316E9654BE7}"/>
+              </a:ext>
+            </a:extLst>
+          </p:cNvPr>
+          <p:cNvPicPr>
+            <a:picLocks noChangeAspect="1"/>
+          </p:cNvPicPr>
+          <p:nvPr/>
+        </p:nvPicPr>
+        <p:blipFill>
+          <a:blip r:embed="rId2"/>
+          <a:stretch>
+            <a:fillRect/>
+          </a:stretch>
+        </p:blipFill>
+        <p:spPr>
+          <a:xfrm>
+            <a:off x="106278" y="1950436"/>
+            <a:ext cx="6900003" cy="3375326"/>
+          </a:xfrm>
+          <a:prstGeom prst="rect">
+            <a:avLst/>
+          </a:prstGeom>
+        </p:spPr>
+      </p:pic>
+      <p:pic>
+        <p:nvPicPr>
+          <p:cNvPr id="5" name="Image 4">
+            <a:extLst>
+              <a:ext uri="{FF2B5EF4-FFF2-40B4-BE49-F238E27FC236}">
+                <a16:creationId xmlns:a16="http://schemas.microsoft.com/office/drawing/2014/main" id="{8DC25C8C-B110-4E6B-B724-FDA2375AEB85}"/>
+              </a:ext>
+            </a:extLst>
+          </p:cNvPr>
+          <p:cNvPicPr>
+            <a:picLocks noChangeAspect="1"/>
+          </p:cNvPicPr>
+          <p:nvPr/>
+        </p:nvPicPr>
+        <p:blipFill>
+          <a:blip r:embed="rId3"/>
+          <a:stretch>
+            <a:fillRect/>
+          </a:stretch>
+        </p:blipFill>
+        <p:spPr>
+          <a:xfrm>
+            <a:off x="7241059" y="1027906"/>
+            <a:ext cx="4665191" cy="5470246"/>
+          </a:xfrm>
+          <a:prstGeom prst="rect">
+            <a:avLst/>
+          </a:prstGeom>
+        </p:spPr>
+      </p:pic>
+    </p:spTree>
+    <p:extLst>
+      <p:ext uri="{BB962C8B-B14F-4D97-AF65-F5344CB8AC3E}">
+        <p14:creationId xmlns:p14="http://schemas.microsoft.com/office/powerpoint/2010/main" val="3369474118"/>
       </p:ext>
     </p:extLst>
   </p:cSld>
